--- a/유니티 ppt/unity 17. 2.14.pptx
+++ b/유니티 ppt/unity 17. 2.14.pptx
@@ -5,10 +5,10 @@
     <p:sldMasterId id="2147483648" r:id="rId1"/>
   </p:sldMasterIdLst>
   <p:notesMasterIdLst>
-    <p:notesMasterId r:id="rId14"/>
+    <p:notesMasterId r:id="rId18"/>
   </p:notesMasterIdLst>
   <p:handoutMasterIdLst>
-    <p:handoutMasterId r:id="rId15"/>
+    <p:handoutMasterId r:id="rId19"/>
   </p:handoutMasterIdLst>
   <p:sldIdLst>
     <p:sldId id="256" r:id="rId2"/>
@@ -23,6 +23,10 @@
     <p:sldId id="264" r:id="rId11"/>
     <p:sldId id="258" r:id="rId12"/>
     <p:sldId id="267" r:id="rId13"/>
+    <p:sldId id="268" r:id="rId14"/>
+    <p:sldId id="269" r:id="rId15"/>
+    <p:sldId id="270" r:id="rId16"/>
+    <p:sldId id="271" r:id="rId17"/>
   </p:sldIdLst>
   <p:sldSz cx="9144000" cy="6858000" type="screen4x3"/>
   <p:notesSz cx="6797675" cy="9926638"/>
@@ -204,14 +208,14 @@
           <a:effectLst/>
           <a:extLst>
             <a:ext uri="{909E8E84-426E-40DD-AFC4-6F175D3DCCD1}">
-              <a14:hiddenFill xmlns:a14="http://schemas.microsoft.com/office/drawing/2010/main" xmlns="">
+              <a14:hiddenFill xmlns="" xmlns:a14="http://schemas.microsoft.com/office/drawing/2010/main">
                 <a:solidFill>
                   <a:schemeClr val="accent1"/>
                 </a:solidFill>
               </a14:hiddenFill>
             </a:ext>
             <a:ext uri="{91240B29-F687-4F45-9708-019B960494DF}">
-              <a14:hiddenLine xmlns:a14="http://schemas.microsoft.com/office/drawing/2010/main" xmlns="" w="9525">
+              <a14:hiddenLine xmlns="" xmlns:a14="http://schemas.microsoft.com/office/drawing/2010/main" w="9525">
                 <a:solidFill>
                   <a:schemeClr val="tx1"/>
                 </a:solidFill>
@@ -221,7 +225,7 @@
               </a14:hiddenLine>
             </a:ext>
             <a:ext uri="{AF507438-7753-43E0-B8FC-AC1667EBCBE1}">
-              <a14:hiddenEffects xmlns:a14="http://schemas.microsoft.com/office/drawing/2010/main" xmlns="">
+              <a14:hiddenEffects xmlns="" xmlns:a14="http://schemas.microsoft.com/office/drawing/2010/main">
                 <a:effectLst>
                   <a:outerShdw dist="35921" dir="2700000" algn="ctr" rotWithShape="0">
                     <a:schemeClr val="bg2"/>
@@ -272,14 +276,14 @@
           <a:effectLst/>
           <a:extLst>
             <a:ext uri="{909E8E84-426E-40DD-AFC4-6F175D3DCCD1}">
-              <a14:hiddenFill xmlns:a14="http://schemas.microsoft.com/office/drawing/2010/main" xmlns="">
+              <a14:hiddenFill xmlns="" xmlns:a14="http://schemas.microsoft.com/office/drawing/2010/main">
                 <a:solidFill>
                   <a:schemeClr val="accent1"/>
                 </a:solidFill>
               </a14:hiddenFill>
             </a:ext>
             <a:ext uri="{91240B29-F687-4F45-9708-019B960494DF}">
-              <a14:hiddenLine xmlns:a14="http://schemas.microsoft.com/office/drawing/2010/main" xmlns="" w="9525">
+              <a14:hiddenLine xmlns="" xmlns:a14="http://schemas.microsoft.com/office/drawing/2010/main" w="9525">
                 <a:solidFill>
                   <a:schemeClr val="tx1"/>
                 </a:solidFill>
@@ -289,7 +293,7 @@
               </a14:hiddenLine>
             </a:ext>
             <a:ext uri="{AF507438-7753-43E0-B8FC-AC1667EBCBE1}">
-              <a14:hiddenEffects xmlns:a14="http://schemas.microsoft.com/office/drawing/2010/main" xmlns="">
+              <a14:hiddenEffects xmlns="" xmlns:a14="http://schemas.microsoft.com/office/drawing/2010/main">
                 <a:effectLst>
                   <a:outerShdw dist="35921" dir="2700000" algn="ctr" rotWithShape="0">
                     <a:schemeClr val="bg2"/>
@@ -340,14 +344,14 @@
           <a:effectLst/>
           <a:extLst>
             <a:ext uri="{909E8E84-426E-40DD-AFC4-6F175D3DCCD1}">
-              <a14:hiddenFill xmlns:a14="http://schemas.microsoft.com/office/drawing/2010/main" xmlns="">
+              <a14:hiddenFill xmlns="" xmlns:a14="http://schemas.microsoft.com/office/drawing/2010/main">
                 <a:solidFill>
                   <a:schemeClr val="accent1"/>
                 </a:solidFill>
               </a14:hiddenFill>
             </a:ext>
             <a:ext uri="{91240B29-F687-4F45-9708-019B960494DF}">
-              <a14:hiddenLine xmlns:a14="http://schemas.microsoft.com/office/drawing/2010/main" xmlns="" w="9525">
+              <a14:hiddenLine xmlns="" xmlns:a14="http://schemas.microsoft.com/office/drawing/2010/main" w="9525">
                 <a:solidFill>
                   <a:schemeClr val="tx1"/>
                 </a:solidFill>
@@ -357,7 +361,7 @@
               </a14:hiddenLine>
             </a:ext>
             <a:ext uri="{AF507438-7753-43E0-B8FC-AC1667EBCBE1}">
-              <a14:hiddenEffects xmlns:a14="http://schemas.microsoft.com/office/drawing/2010/main" xmlns="">
+              <a14:hiddenEffects xmlns="" xmlns:a14="http://schemas.microsoft.com/office/drawing/2010/main">
                 <a:effectLst>
                   <a:outerShdw dist="35921" dir="2700000" algn="ctr" rotWithShape="0">
                     <a:schemeClr val="bg2"/>
@@ -408,14 +412,14 @@
           <a:effectLst/>
           <a:extLst>
             <a:ext uri="{909E8E84-426E-40DD-AFC4-6F175D3DCCD1}">
-              <a14:hiddenFill xmlns:a14="http://schemas.microsoft.com/office/drawing/2010/main" xmlns="">
+              <a14:hiddenFill xmlns="" xmlns:a14="http://schemas.microsoft.com/office/drawing/2010/main">
                 <a:solidFill>
                   <a:schemeClr val="accent1"/>
                 </a:solidFill>
               </a14:hiddenFill>
             </a:ext>
             <a:ext uri="{91240B29-F687-4F45-9708-019B960494DF}">
-              <a14:hiddenLine xmlns:a14="http://schemas.microsoft.com/office/drawing/2010/main" xmlns="" w="9525">
+              <a14:hiddenLine xmlns="" xmlns:a14="http://schemas.microsoft.com/office/drawing/2010/main" w="9525">
                 <a:solidFill>
                   <a:schemeClr val="tx1"/>
                 </a:solidFill>
@@ -425,7 +429,7 @@
               </a14:hiddenLine>
             </a:ext>
             <a:ext uri="{AF507438-7753-43E0-B8FC-AC1667EBCBE1}">
-              <a14:hiddenEffects xmlns:a14="http://schemas.microsoft.com/office/drawing/2010/main" xmlns="">
+              <a14:hiddenEffects xmlns="" xmlns:a14="http://schemas.microsoft.com/office/drawing/2010/main">
                 <a:effectLst>
                   <a:outerShdw dist="35921" dir="2700000" algn="ctr" rotWithShape="0">
                     <a:schemeClr val="bg2"/>
@@ -459,7 +463,7 @@
     </p:spTree>
     <p:extLst>
       <p:ext uri="{BB962C8B-B14F-4D97-AF65-F5344CB8AC3E}">
-        <p14:creationId xmlns:p14="http://schemas.microsoft.com/office/powerpoint/2010/main" xmlns="" val="3164634251"/>
+        <p14:creationId xmlns="" xmlns:p14="http://schemas.microsoft.com/office/powerpoint/2010/main" val="3164634251"/>
       </p:ext>
     </p:extLst>
   </p:cSld>
@@ -517,14 +521,14 @@
           <a:effectLst/>
           <a:extLst>
             <a:ext uri="{909E8E84-426E-40DD-AFC4-6F175D3DCCD1}">
-              <a14:hiddenFill xmlns:a14="http://schemas.microsoft.com/office/drawing/2010/main" xmlns="">
+              <a14:hiddenFill xmlns="" xmlns:a14="http://schemas.microsoft.com/office/drawing/2010/main">
                 <a:solidFill>
                   <a:schemeClr val="accent1"/>
                 </a:solidFill>
               </a14:hiddenFill>
             </a:ext>
             <a:ext uri="{91240B29-F687-4F45-9708-019B960494DF}">
-              <a14:hiddenLine xmlns:a14="http://schemas.microsoft.com/office/drawing/2010/main" xmlns="" w="9525">
+              <a14:hiddenLine xmlns="" xmlns:a14="http://schemas.microsoft.com/office/drawing/2010/main" w="9525">
                 <a:solidFill>
                   <a:schemeClr val="tx1"/>
                 </a:solidFill>
@@ -534,7 +538,7 @@
               </a14:hiddenLine>
             </a:ext>
             <a:ext uri="{AF507438-7753-43E0-B8FC-AC1667EBCBE1}">
-              <a14:hiddenEffects xmlns:a14="http://schemas.microsoft.com/office/drawing/2010/main" xmlns="">
+              <a14:hiddenEffects xmlns="" xmlns:a14="http://schemas.microsoft.com/office/drawing/2010/main">
                 <a:effectLst>
                   <a:outerShdw dist="35921" dir="2700000" algn="ctr" rotWithShape="0">
                     <a:schemeClr val="bg2"/>
@@ -585,14 +589,14 @@
           <a:effectLst/>
           <a:extLst>
             <a:ext uri="{909E8E84-426E-40DD-AFC4-6F175D3DCCD1}">
-              <a14:hiddenFill xmlns:a14="http://schemas.microsoft.com/office/drawing/2010/main" xmlns="">
+              <a14:hiddenFill xmlns="" xmlns:a14="http://schemas.microsoft.com/office/drawing/2010/main">
                 <a:solidFill>
                   <a:schemeClr val="accent1"/>
                 </a:solidFill>
               </a14:hiddenFill>
             </a:ext>
             <a:ext uri="{91240B29-F687-4F45-9708-019B960494DF}">
-              <a14:hiddenLine xmlns:a14="http://schemas.microsoft.com/office/drawing/2010/main" xmlns="" w="9525">
+              <a14:hiddenLine xmlns="" xmlns:a14="http://schemas.microsoft.com/office/drawing/2010/main" w="9525">
                 <a:solidFill>
                   <a:schemeClr val="tx1"/>
                 </a:solidFill>
@@ -602,7 +606,7 @@
               </a14:hiddenLine>
             </a:ext>
             <a:ext uri="{AF507438-7753-43E0-B8FC-AC1667EBCBE1}">
-              <a14:hiddenEffects xmlns:a14="http://schemas.microsoft.com/office/drawing/2010/main" xmlns="">
+              <a14:hiddenEffects xmlns="" xmlns:a14="http://schemas.microsoft.com/office/drawing/2010/main">
                 <a:effectLst>
                   <a:outerShdw dist="35921" dir="2700000" algn="ctr" rotWithShape="0">
                     <a:schemeClr val="bg2"/>
@@ -658,7 +662,7 @@
           <a:effectLst/>
           <a:extLst>
             <a:ext uri="{AF507438-7753-43E0-B8FC-AC1667EBCBE1}">
-              <a14:hiddenEffects xmlns:a14="http://schemas.microsoft.com/office/drawing/2010/main" xmlns="">
+              <a14:hiddenEffects xmlns="" xmlns:a14="http://schemas.microsoft.com/office/drawing/2010/main">
                 <a:effectLst>
                   <a:outerShdw dist="35921" dir="2700000" algn="ctr" rotWithShape="0">
                     <a:srgbClr val="808080"/>
@@ -667,7 +671,7 @@
               </a14:hiddenEffects>
             </a:ext>
             <a:ext uri="{53640926-AAD7-44D8-BBD7-CCE9431645EC}">
-              <a14:shadowObscured xmlns:a14="http://schemas.microsoft.com/office/drawing/2010/main" xmlns="" val="1"/>
+              <a14:shadowObscured xmlns="" xmlns:a14="http://schemas.microsoft.com/office/drawing/2010/main" val="1"/>
             </a:ext>
           </a:extLst>
         </p:spPr>
@@ -697,14 +701,14 @@
           <a:effectLst/>
           <a:extLst>
             <a:ext uri="{909E8E84-426E-40DD-AFC4-6F175D3DCCD1}">
-              <a14:hiddenFill xmlns:a14="http://schemas.microsoft.com/office/drawing/2010/main" xmlns="">
+              <a14:hiddenFill xmlns="" xmlns:a14="http://schemas.microsoft.com/office/drawing/2010/main">
                 <a:solidFill>
                   <a:schemeClr val="accent1"/>
                 </a:solidFill>
               </a14:hiddenFill>
             </a:ext>
             <a:ext uri="{91240B29-F687-4F45-9708-019B960494DF}">
-              <a14:hiddenLine xmlns:a14="http://schemas.microsoft.com/office/drawing/2010/main" xmlns="" w="9525">
+              <a14:hiddenLine xmlns="" xmlns:a14="http://schemas.microsoft.com/office/drawing/2010/main" w="9525">
                 <a:solidFill>
                   <a:schemeClr val="tx1"/>
                 </a:solidFill>
@@ -714,7 +718,7 @@
               </a14:hiddenLine>
             </a:ext>
             <a:ext uri="{AF507438-7753-43E0-B8FC-AC1667EBCBE1}">
-              <a14:hiddenEffects xmlns:a14="http://schemas.microsoft.com/office/drawing/2010/main" xmlns="">
+              <a14:hiddenEffects xmlns="" xmlns:a14="http://schemas.microsoft.com/office/drawing/2010/main">
                 <a:effectLst>
                   <a:outerShdw dist="35921" dir="2700000" algn="ctr" rotWithShape="0">
                     <a:schemeClr val="bg2"/>
@@ -793,14 +797,14 @@
           <a:effectLst/>
           <a:extLst>
             <a:ext uri="{909E8E84-426E-40DD-AFC4-6F175D3DCCD1}">
-              <a14:hiddenFill xmlns:a14="http://schemas.microsoft.com/office/drawing/2010/main" xmlns="">
+              <a14:hiddenFill xmlns="" xmlns:a14="http://schemas.microsoft.com/office/drawing/2010/main">
                 <a:solidFill>
                   <a:schemeClr val="accent1"/>
                 </a:solidFill>
               </a14:hiddenFill>
             </a:ext>
             <a:ext uri="{91240B29-F687-4F45-9708-019B960494DF}">
-              <a14:hiddenLine xmlns:a14="http://schemas.microsoft.com/office/drawing/2010/main" xmlns="" w="9525">
+              <a14:hiddenLine xmlns="" xmlns:a14="http://schemas.microsoft.com/office/drawing/2010/main" w="9525">
                 <a:solidFill>
                   <a:schemeClr val="tx1"/>
                 </a:solidFill>
@@ -810,7 +814,7 @@
               </a14:hiddenLine>
             </a:ext>
             <a:ext uri="{AF507438-7753-43E0-B8FC-AC1667EBCBE1}">
-              <a14:hiddenEffects xmlns:a14="http://schemas.microsoft.com/office/drawing/2010/main" xmlns="">
+              <a14:hiddenEffects xmlns="" xmlns:a14="http://schemas.microsoft.com/office/drawing/2010/main">
                 <a:effectLst>
                   <a:outerShdw dist="35921" dir="2700000" algn="ctr" rotWithShape="0">
                     <a:schemeClr val="bg2"/>
@@ -861,14 +865,14 @@
           <a:effectLst/>
           <a:extLst>
             <a:ext uri="{909E8E84-426E-40DD-AFC4-6F175D3DCCD1}">
-              <a14:hiddenFill xmlns:a14="http://schemas.microsoft.com/office/drawing/2010/main" xmlns="">
+              <a14:hiddenFill xmlns="" xmlns:a14="http://schemas.microsoft.com/office/drawing/2010/main">
                 <a:solidFill>
                   <a:schemeClr val="accent1"/>
                 </a:solidFill>
               </a14:hiddenFill>
             </a:ext>
             <a:ext uri="{91240B29-F687-4F45-9708-019B960494DF}">
-              <a14:hiddenLine xmlns:a14="http://schemas.microsoft.com/office/drawing/2010/main" xmlns="" w="9525">
+              <a14:hiddenLine xmlns="" xmlns:a14="http://schemas.microsoft.com/office/drawing/2010/main" w="9525">
                 <a:solidFill>
                   <a:schemeClr val="tx1"/>
                 </a:solidFill>
@@ -878,7 +882,7 @@
               </a14:hiddenLine>
             </a:ext>
             <a:ext uri="{AF507438-7753-43E0-B8FC-AC1667EBCBE1}">
-              <a14:hiddenEffects xmlns:a14="http://schemas.microsoft.com/office/drawing/2010/main" xmlns="">
+              <a14:hiddenEffects xmlns="" xmlns:a14="http://schemas.microsoft.com/office/drawing/2010/main">
                 <a:effectLst>
                   <a:outerShdw dist="35921" dir="2700000" algn="ctr" rotWithShape="0">
                     <a:schemeClr val="bg2"/>
@@ -912,7 +916,7 @@
     </p:spTree>
     <p:extLst>
       <p:ext uri="{BB962C8B-B14F-4D97-AF65-F5344CB8AC3E}">
-        <p14:creationId xmlns:p14="http://schemas.microsoft.com/office/powerpoint/2010/main" xmlns="" val="841280231"/>
+        <p14:creationId xmlns="" xmlns:p14="http://schemas.microsoft.com/office/powerpoint/2010/main" val="841280231"/>
       </p:ext>
     </p:extLst>
   </p:cSld>
@@ -1231,7 +1235,7 @@
           <a:effectLst/>
           <a:extLst>
             <a:ext uri="{91240B29-F687-4F45-9708-019B960494DF}">
-              <a14:hiddenLine xmlns:a14="http://schemas.microsoft.com/office/drawing/2010/main" xmlns="" w="9525">
+              <a14:hiddenLine xmlns="" xmlns:a14="http://schemas.microsoft.com/office/drawing/2010/main" w="9525">
                 <a:solidFill>
                   <a:schemeClr val="tx1"/>
                 </a:solidFill>
@@ -1241,7 +1245,7 @@
               </a14:hiddenLine>
             </a:ext>
             <a:ext uri="{AF507438-7753-43E0-B8FC-AC1667EBCBE1}">
-              <a14:hiddenEffects xmlns:a14="http://schemas.microsoft.com/office/drawing/2010/main" xmlns="">
+              <a14:hiddenEffects xmlns="" xmlns:a14="http://schemas.microsoft.com/office/drawing/2010/main">
                 <a:effectLst>
                   <a:outerShdw dist="35921" dir="2700000" algn="ctr" rotWithShape="0">
                     <a:schemeClr val="bg2"/>
@@ -1282,14 +1286,14 @@
           <a:effectLst/>
           <a:extLst>
             <a:ext uri="{909E8E84-426E-40DD-AFC4-6F175D3DCCD1}">
-              <a14:hiddenFill xmlns:a14="http://schemas.microsoft.com/office/drawing/2010/main" xmlns="">
+              <a14:hiddenFill xmlns="" xmlns:a14="http://schemas.microsoft.com/office/drawing/2010/main">
                 <a:solidFill>
                   <a:schemeClr val="accent1"/>
                 </a:solidFill>
               </a14:hiddenFill>
             </a:ext>
             <a:ext uri="{91240B29-F687-4F45-9708-019B960494DF}">
-              <a14:hiddenLine xmlns:a14="http://schemas.microsoft.com/office/drawing/2010/main" xmlns="" w="9525">
+              <a14:hiddenLine xmlns="" xmlns:a14="http://schemas.microsoft.com/office/drawing/2010/main" w="9525">
                 <a:solidFill>
                   <a:srgbClr val="FFFFFF"/>
                 </a:solidFill>
@@ -1299,7 +1303,7 @@
               </a14:hiddenLine>
             </a:ext>
             <a:ext uri="{AF507438-7753-43E0-B8FC-AC1667EBCBE1}">
-              <a14:hiddenEffects xmlns:a14="http://schemas.microsoft.com/office/drawing/2010/main" xmlns="">
+              <a14:hiddenEffects xmlns="" xmlns:a14="http://schemas.microsoft.com/office/drawing/2010/main">
                 <a:effectLst>
                   <a:outerShdw dist="35921" dir="2700000" algn="ctr" rotWithShape="0">
                     <a:schemeClr val="bg2"/>
@@ -1499,7 +1503,7 @@
     </p:spTree>
     <p:extLst>
       <p:ext uri="{BB962C8B-B14F-4D97-AF65-F5344CB8AC3E}">
-        <p14:creationId xmlns:p14="http://schemas.microsoft.com/office/powerpoint/2010/main" xmlns="" val="1411104598"/>
+        <p14:creationId xmlns="" xmlns:p14="http://schemas.microsoft.com/office/powerpoint/2010/main" val="1411104598"/>
       </p:ext>
     </p:extLst>
   </p:cSld>
@@ -1642,7 +1646,7 @@
     </p:spTree>
     <p:extLst>
       <p:ext uri="{BB962C8B-B14F-4D97-AF65-F5344CB8AC3E}">
-        <p14:creationId xmlns:p14="http://schemas.microsoft.com/office/powerpoint/2010/main" xmlns="" val="362567413"/>
+        <p14:creationId xmlns="" xmlns:p14="http://schemas.microsoft.com/office/powerpoint/2010/main" val="362567413"/>
       </p:ext>
     </p:extLst>
   </p:cSld>
@@ -1775,7 +1779,7 @@
     </p:spTree>
     <p:extLst>
       <p:ext uri="{BB962C8B-B14F-4D97-AF65-F5344CB8AC3E}">
-        <p14:creationId xmlns:p14="http://schemas.microsoft.com/office/powerpoint/2010/main" xmlns="" val="1316154226"/>
+        <p14:creationId xmlns="" xmlns:p14="http://schemas.microsoft.com/office/powerpoint/2010/main" val="1316154226"/>
       </p:ext>
     </p:extLst>
   </p:cSld>
@@ -1930,7 +1934,7 @@
     </p:spTree>
     <p:extLst>
       <p:ext uri="{BB962C8B-B14F-4D97-AF65-F5344CB8AC3E}">
-        <p14:creationId xmlns:p14="http://schemas.microsoft.com/office/powerpoint/2010/main" xmlns="" val="1680507179"/>
+        <p14:creationId xmlns="" xmlns:p14="http://schemas.microsoft.com/office/powerpoint/2010/main" val="1680507179"/>
       </p:ext>
     </p:extLst>
   </p:cSld>
@@ -2181,7 +2185,7 @@
     </p:spTree>
     <p:extLst>
       <p:ext uri="{BB962C8B-B14F-4D97-AF65-F5344CB8AC3E}">
-        <p14:creationId xmlns:p14="http://schemas.microsoft.com/office/powerpoint/2010/main" xmlns="" val="167415826"/>
+        <p14:creationId xmlns="" xmlns:p14="http://schemas.microsoft.com/office/powerpoint/2010/main" val="167415826"/>
       </p:ext>
     </p:extLst>
   </p:cSld>
@@ -2571,7 +2575,7 @@
     </p:spTree>
     <p:extLst>
       <p:ext uri="{BB962C8B-B14F-4D97-AF65-F5344CB8AC3E}">
-        <p14:creationId xmlns:p14="http://schemas.microsoft.com/office/powerpoint/2010/main" xmlns="" val="1240705544"/>
+        <p14:creationId xmlns="" xmlns:p14="http://schemas.microsoft.com/office/powerpoint/2010/main" val="1240705544"/>
       </p:ext>
     </p:extLst>
   </p:cSld>
@@ -2652,7 +2656,7 @@
     </p:spTree>
     <p:extLst>
       <p:ext uri="{BB962C8B-B14F-4D97-AF65-F5344CB8AC3E}">
-        <p14:creationId xmlns:p14="http://schemas.microsoft.com/office/powerpoint/2010/main" xmlns="" val="1154259471"/>
+        <p14:creationId xmlns="" xmlns:p14="http://schemas.microsoft.com/office/powerpoint/2010/main" val="1154259471"/>
       </p:ext>
     </p:extLst>
   </p:cSld>
@@ -2710,7 +2714,7 @@
     </p:spTree>
     <p:extLst>
       <p:ext uri="{BB962C8B-B14F-4D97-AF65-F5344CB8AC3E}">
-        <p14:creationId xmlns:p14="http://schemas.microsoft.com/office/powerpoint/2010/main" xmlns="" val="2140515614"/>
+        <p14:creationId xmlns="" xmlns:p14="http://schemas.microsoft.com/office/powerpoint/2010/main" val="2140515614"/>
       </p:ext>
     </p:extLst>
   </p:cSld>
@@ -2950,7 +2954,7 @@
     </p:spTree>
     <p:extLst>
       <p:ext uri="{BB962C8B-B14F-4D97-AF65-F5344CB8AC3E}">
-        <p14:creationId xmlns:p14="http://schemas.microsoft.com/office/powerpoint/2010/main" xmlns="" val="1987763440"/>
+        <p14:creationId xmlns="" xmlns:p14="http://schemas.microsoft.com/office/powerpoint/2010/main" val="1987763440"/>
       </p:ext>
     </p:extLst>
   </p:cSld>
@@ -3166,7 +3170,7 @@
     </p:spTree>
     <p:extLst>
       <p:ext uri="{BB962C8B-B14F-4D97-AF65-F5344CB8AC3E}">
-        <p14:creationId xmlns:p14="http://schemas.microsoft.com/office/powerpoint/2010/main" xmlns="" val="1093278620"/>
+        <p14:creationId xmlns="" xmlns:p14="http://schemas.microsoft.com/office/powerpoint/2010/main" val="1093278620"/>
       </p:ext>
     </p:extLst>
   </p:cSld>
@@ -3226,14 +3230,14 @@
           <a:effectLst/>
           <a:extLst>
             <a:ext uri="{909E8E84-426E-40DD-AFC4-6F175D3DCCD1}">
-              <a14:hiddenFill xmlns:a14="http://schemas.microsoft.com/office/drawing/2010/main" xmlns="">
+              <a14:hiddenFill xmlns="" xmlns:a14="http://schemas.microsoft.com/office/drawing/2010/main">
                 <a:solidFill>
                   <a:schemeClr val="accent1"/>
                 </a:solidFill>
               </a14:hiddenFill>
             </a:ext>
             <a:ext uri="{91240B29-F687-4F45-9708-019B960494DF}">
-              <a14:hiddenLine xmlns:a14="http://schemas.microsoft.com/office/drawing/2010/main" xmlns="" w="9525">
+              <a14:hiddenLine xmlns="" xmlns:a14="http://schemas.microsoft.com/office/drawing/2010/main" w="9525">
                 <a:solidFill>
                   <a:schemeClr val="tx1"/>
                 </a:solidFill>
@@ -3243,7 +3247,7 @@
               </a14:hiddenLine>
             </a:ext>
             <a:ext uri="{AF507438-7753-43E0-B8FC-AC1667EBCBE1}">
-              <a14:hiddenEffects xmlns:a14="http://schemas.microsoft.com/office/drawing/2010/main" xmlns="">
+              <a14:hiddenEffects xmlns="" xmlns:a14="http://schemas.microsoft.com/office/drawing/2010/main">
                 <a:effectLst>
                   <a:outerShdw dist="35921" dir="2700000" algn="ctr" rotWithShape="0">
                     <a:schemeClr val="bg2"/>
@@ -3294,14 +3298,14 @@
           <a:effectLst/>
           <a:extLst>
             <a:ext uri="{909E8E84-426E-40DD-AFC4-6F175D3DCCD1}">
-              <a14:hiddenFill xmlns:a14="http://schemas.microsoft.com/office/drawing/2010/main" xmlns="">
+              <a14:hiddenFill xmlns="" xmlns:a14="http://schemas.microsoft.com/office/drawing/2010/main">
                 <a:solidFill>
                   <a:schemeClr val="accent1"/>
                 </a:solidFill>
               </a14:hiddenFill>
             </a:ext>
             <a:ext uri="{91240B29-F687-4F45-9708-019B960494DF}">
-              <a14:hiddenLine xmlns:a14="http://schemas.microsoft.com/office/drawing/2010/main" xmlns="" w="9525">
+              <a14:hiddenLine xmlns="" xmlns:a14="http://schemas.microsoft.com/office/drawing/2010/main" w="9525">
                 <a:solidFill>
                   <a:schemeClr val="tx1"/>
                 </a:solidFill>
@@ -3311,7 +3315,7 @@
               </a14:hiddenLine>
             </a:ext>
             <a:ext uri="{AF507438-7753-43E0-B8FC-AC1667EBCBE1}">
-              <a14:hiddenEffects xmlns:a14="http://schemas.microsoft.com/office/drawing/2010/main" xmlns="">
+              <a14:hiddenEffects xmlns="" xmlns:a14="http://schemas.microsoft.com/office/drawing/2010/main">
                 <a:effectLst>
                   <a:outerShdw dist="35921" dir="2700000" algn="ctr" rotWithShape="0">
                     <a:schemeClr val="bg2"/>
@@ -3383,14 +3387,14 @@
           <a:effectLst/>
           <a:extLst>
             <a:ext uri="{909E8E84-426E-40DD-AFC4-6F175D3DCCD1}">
-              <a14:hiddenFill xmlns:a14="http://schemas.microsoft.com/office/drawing/2010/main" xmlns="">
+              <a14:hiddenFill xmlns="" xmlns:a14="http://schemas.microsoft.com/office/drawing/2010/main">
                 <a:solidFill>
                   <a:schemeClr val="accent1"/>
                 </a:solidFill>
               </a14:hiddenFill>
             </a:ext>
             <a:ext uri="{91240B29-F687-4F45-9708-019B960494DF}">
-              <a14:hiddenLine xmlns:a14="http://schemas.microsoft.com/office/drawing/2010/main" xmlns="" w="9525">
+              <a14:hiddenLine xmlns="" xmlns:a14="http://schemas.microsoft.com/office/drawing/2010/main" w="9525">
                 <a:solidFill>
                   <a:schemeClr val="tx1"/>
                 </a:solidFill>
@@ -3400,7 +3404,7 @@
               </a14:hiddenLine>
             </a:ext>
             <a:ext uri="{AF507438-7753-43E0-B8FC-AC1667EBCBE1}">
-              <a14:hiddenEffects xmlns:a14="http://schemas.microsoft.com/office/drawing/2010/main" xmlns="">
+              <a14:hiddenEffects xmlns="" xmlns:a14="http://schemas.microsoft.com/office/drawing/2010/main">
                 <a:effectLst>
                   <a:outerShdw dist="35921" dir="2700000" algn="ctr" rotWithShape="0">
                     <a:schemeClr val="bg2"/>
@@ -3459,7 +3463,7 @@
           <a:effectLst/>
           <a:extLst>
             <a:ext uri="{91240B29-F687-4F45-9708-019B960494DF}">
-              <a14:hiddenLine xmlns:a14="http://schemas.microsoft.com/office/drawing/2010/main" xmlns="" w="9525">
+              <a14:hiddenLine xmlns="" xmlns:a14="http://schemas.microsoft.com/office/drawing/2010/main" w="9525">
                 <a:solidFill>
                   <a:schemeClr val="tx1"/>
                 </a:solidFill>
@@ -3469,7 +3473,7 @@
               </a14:hiddenLine>
             </a:ext>
             <a:ext uri="{AF507438-7753-43E0-B8FC-AC1667EBCBE1}">
-              <a14:hiddenEffects xmlns:a14="http://schemas.microsoft.com/office/drawing/2010/main" xmlns="">
+              <a14:hiddenEffects xmlns="" xmlns:a14="http://schemas.microsoft.com/office/drawing/2010/main">
                 <a:effectLst>
                   <a:outerShdw dist="35921" dir="2700000" algn="ctr" rotWithShape="0">
                     <a:schemeClr val="bg2"/>
@@ -3527,7 +3531,7 @@
           <a:effectLst/>
           <a:extLst>
             <a:ext uri="{91240B29-F687-4F45-9708-019B960494DF}">
-              <a14:hiddenLine xmlns:a14="http://schemas.microsoft.com/office/drawing/2010/main" xmlns="" w="9525">
+              <a14:hiddenLine xmlns="" xmlns:a14="http://schemas.microsoft.com/office/drawing/2010/main" w="9525">
                 <a:solidFill>
                   <a:schemeClr val="tx1"/>
                 </a:solidFill>
@@ -3537,7 +3541,7 @@
               </a14:hiddenLine>
             </a:ext>
             <a:ext uri="{AF507438-7753-43E0-B8FC-AC1667EBCBE1}">
-              <a14:hiddenEffects xmlns:a14="http://schemas.microsoft.com/office/drawing/2010/main" xmlns="">
+              <a14:hiddenEffects xmlns="" xmlns:a14="http://schemas.microsoft.com/office/drawing/2010/main">
                 <a:effectLst>
                   <a:outerShdw dist="35921" dir="2700000" algn="ctr" rotWithShape="0">
                     <a:schemeClr val="bg2"/>
@@ -3587,12 +3591,12 @@
           <a:effectLst/>
           <a:extLst>
             <a:ext uri="{909E8E84-426E-40DD-AFC4-6F175D3DCCD1}">
-              <a14:hiddenFill xmlns:a14="http://schemas.microsoft.com/office/drawing/2010/main" xmlns="">
+              <a14:hiddenFill xmlns="" xmlns:a14="http://schemas.microsoft.com/office/drawing/2010/main">
                 <a:noFill/>
               </a14:hiddenFill>
             </a:ext>
             <a:ext uri="{AF507438-7753-43E0-B8FC-AC1667EBCBE1}">
-              <a14:hiddenEffects xmlns:a14="http://schemas.microsoft.com/office/drawing/2010/main" xmlns="">
+              <a14:hiddenEffects xmlns="" xmlns:a14="http://schemas.microsoft.com/office/drawing/2010/main">
                 <a:effectLst>
                   <a:outerShdw dist="35921" dir="2700000" algn="ctr" rotWithShape="0">
                     <a:schemeClr val="bg2"/>
@@ -3636,14 +3640,14 @@
           <a:effectLst/>
           <a:extLst>
             <a:ext uri="{909E8E84-426E-40DD-AFC4-6F175D3DCCD1}">
-              <a14:hiddenFill xmlns:a14="http://schemas.microsoft.com/office/drawing/2010/main" xmlns="">
+              <a14:hiddenFill xmlns="" xmlns:a14="http://schemas.microsoft.com/office/drawing/2010/main">
                 <a:solidFill>
                   <a:schemeClr val="accent1"/>
                 </a:solidFill>
               </a14:hiddenFill>
             </a:ext>
             <a:ext uri="{91240B29-F687-4F45-9708-019B960494DF}">
-              <a14:hiddenLine xmlns:a14="http://schemas.microsoft.com/office/drawing/2010/main" xmlns="" w="9525">
+              <a14:hiddenLine xmlns="" xmlns:a14="http://schemas.microsoft.com/office/drawing/2010/main" w="9525">
                 <a:solidFill>
                   <a:schemeClr val="tx1"/>
                 </a:solidFill>
@@ -3653,7 +3657,7 @@
               </a14:hiddenLine>
             </a:ext>
             <a:ext uri="{AF507438-7753-43E0-B8FC-AC1667EBCBE1}">
-              <a14:hiddenEffects xmlns:a14="http://schemas.microsoft.com/office/drawing/2010/main" xmlns="">
+              <a14:hiddenEffects xmlns="" xmlns:a14="http://schemas.microsoft.com/office/drawing/2010/main">
                 <a:effectLst>
                   <a:outerShdw dist="35921" dir="2700000" algn="ctr" rotWithShape="0">
                     <a:schemeClr val="bg2"/>
@@ -3845,14 +3849,14 @@
           <a:effectLst/>
           <a:extLst>
             <a:ext uri="{909E8E84-426E-40DD-AFC4-6F175D3DCCD1}">
-              <a14:hiddenFill xmlns:a14="http://schemas.microsoft.com/office/drawing/2010/main" xmlns="">
+              <a14:hiddenFill xmlns="" xmlns:a14="http://schemas.microsoft.com/office/drawing/2010/main">
                 <a:solidFill>
                   <a:schemeClr val="accent1"/>
                 </a:solidFill>
               </a14:hiddenFill>
             </a:ext>
             <a:ext uri="{91240B29-F687-4F45-9708-019B960494DF}">
-              <a14:hiddenLine xmlns:a14="http://schemas.microsoft.com/office/drawing/2010/main" xmlns="" w="9525">
+              <a14:hiddenLine xmlns="" xmlns:a14="http://schemas.microsoft.com/office/drawing/2010/main" w="9525">
                 <a:solidFill>
                   <a:schemeClr val="tx1"/>
                 </a:solidFill>
@@ -3862,7 +3866,7 @@
               </a14:hiddenLine>
             </a:ext>
             <a:ext uri="{AF507438-7753-43E0-B8FC-AC1667EBCBE1}">
-              <a14:hiddenEffects xmlns:a14="http://schemas.microsoft.com/office/drawing/2010/main" xmlns="">
+              <a14:hiddenEffects xmlns="" xmlns:a14="http://schemas.microsoft.com/office/drawing/2010/main">
                 <a:effectLst>
                   <a:outerShdw dist="35921" dir="2700000" algn="ctr" rotWithShape="0">
                     <a:schemeClr val="bg2"/>
@@ -4041,14 +4045,14 @@
           <a:effectLst/>
           <a:extLst>
             <a:ext uri="{909E8E84-426E-40DD-AFC4-6F175D3DCCD1}">
-              <a14:hiddenFill xmlns:a14="http://schemas.microsoft.com/office/drawing/2010/main" xmlns="">
+              <a14:hiddenFill xmlns="" xmlns:a14="http://schemas.microsoft.com/office/drawing/2010/main">
                 <a:solidFill>
                   <a:schemeClr val="accent1"/>
                 </a:solidFill>
               </a14:hiddenFill>
             </a:ext>
             <a:ext uri="{91240B29-F687-4F45-9708-019B960494DF}">
-              <a14:hiddenLine xmlns:a14="http://schemas.microsoft.com/office/drawing/2010/main" xmlns="" w="9525">
+              <a14:hiddenLine xmlns="" xmlns:a14="http://schemas.microsoft.com/office/drawing/2010/main" w="9525">
                 <a:solidFill>
                   <a:srgbClr val="FFFFFF"/>
                 </a:solidFill>
@@ -4058,7 +4062,7 @@
               </a14:hiddenLine>
             </a:ext>
             <a:ext uri="{AF507438-7753-43E0-B8FC-AC1667EBCBE1}">
-              <a14:hiddenEffects xmlns:a14="http://schemas.microsoft.com/office/drawing/2010/main" xmlns="">
+              <a14:hiddenEffects xmlns="" xmlns:a14="http://schemas.microsoft.com/office/drawing/2010/main">
                 <a:effectLst>
                   <a:outerShdw dist="35921" dir="2700000" algn="ctr" rotWithShape="0">
                     <a:schemeClr val="bg2"/>
@@ -4730,8 +4734,8 @@
         </p:blipFill>
         <p:spPr bwMode="auto">
           <a:xfrm>
-            <a:off x="1697038" y="1665288"/>
-            <a:ext cx="8716962" cy="5000625"/>
+            <a:off x="755576" y="1124744"/>
+            <a:ext cx="8136904" cy="5000625"/>
           </a:xfrm>
           <a:prstGeom prst="rect">
             <a:avLst/>
@@ -4819,8 +4823,8 @@
         </p:blipFill>
         <p:spPr bwMode="auto">
           <a:xfrm>
-            <a:off x="-519113" y="2044700"/>
-            <a:ext cx="8802688" cy="5095875"/>
+            <a:off x="755576" y="1124744"/>
+            <a:ext cx="8136904" cy="5095875"/>
           </a:xfrm>
           <a:prstGeom prst="rect">
             <a:avLst/>
@@ -4908,8 +4912,8 @@
         </p:blipFill>
         <p:spPr bwMode="auto">
           <a:xfrm>
-            <a:off x="884238" y="2224088"/>
-            <a:ext cx="8840787" cy="3800475"/>
+            <a:off x="827585" y="1268760"/>
+            <a:ext cx="7920880" cy="3800475"/>
           </a:xfrm>
           <a:prstGeom prst="rect">
             <a:avLst/>
@@ -4917,6 +4921,521 @@
           <a:noFill/>
         </p:spPr>
       </p:pic>
+    </p:spTree>
+  </p:cSld>
+  <p:clrMapOvr>
+    <a:masterClrMapping/>
+  </p:clrMapOvr>
+</p:sld>
+</file>
+
+<file path=ppt/slides/slide13.xml><?xml version="1.0" encoding="utf-8"?>
+<p:sld xmlns:a="http://schemas.openxmlformats.org/drawingml/2006/main" xmlns:r="http://schemas.openxmlformats.org/officeDocument/2006/relationships" xmlns:p="http://schemas.openxmlformats.org/presentationml/2006/main">
+  <p:cSld>
+    <p:spTree>
+      <p:nvGrpSpPr>
+        <p:cNvPr id="1" name=""/>
+        <p:cNvGrpSpPr/>
+        <p:nvPr/>
+      </p:nvGrpSpPr>
+      <p:grpSpPr>
+        <a:xfrm>
+          <a:off x="0" y="0"/>
+          <a:ext cx="0" cy="0"/>
+          <a:chOff x="0" y="0"/>
+          <a:chExt cx="0" cy="0"/>
+        </a:xfrm>
+      </p:grpSpPr>
+      <p:sp>
+        <p:nvSpPr>
+          <p:cNvPr id="2" name="제목 1"/>
+          <p:cNvSpPr>
+            <a:spLocks noGrp="1"/>
+          </p:cNvSpPr>
+          <p:nvPr>
+            <p:ph type="title"/>
+          </p:nvPr>
+        </p:nvSpPr>
+        <p:spPr/>
+        <p:txBody>
+          <a:bodyPr/>
+          <a:lstStyle/>
+          <a:p>
+            <a:endParaRPr lang="ko-KR" altLang="en-US"/>
+          </a:p>
+        </p:txBody>
+      </p:sp>
+      <p:sp>
+        <p:nvSpPr>
+          <p:cNvPr id="3" name="내용 개체 틀 2"/>
+          <p:cNvSpPr>
+            <a:spLocks noGrp="1"/>
+          </p:cNvSpPr>
+          <p:nvPr>
+            <p:ph idx="1"/>
+          </p:nvPr>
+        </p:nvSpPr>
+        <p:spPr/>
+        <p:txBody>
+          <a:bodyPr/>
+          <a:lstStyle/>
+          <a:p>
+            <a:endParaRPr lang="ko-KR" altLang="en-US"/>
+          </a:p>
+        </p:txBody>
+      </p:sp>
+      <p:pic>
+        <p:nvPicPr>
+          <p:cNvPr id="1026" name="Picture 2" descr="C:\Users\jgy\Desktop\unityProject\무브.PNG"/>
+          <p:cNvPicPr>
+            <a:picLocks noChangeAspect="1" noChangeArrowheads="1"/>
+          </p:cNvPicPr>
+          <p:nvPr/>
+        </p:nvPicPr>
+        <p:blipFill>
+          <a:blip r:embed="rId2" cstate="print"/>
+          <a:srcRect/>
+          <a:stretch>
+            <a:fillRect/>
+          </a:stretch>
+        </p:blipFill>
+        <p:spPr bwMode="auto">
+          <a:xfrm>
+            <a:off x="827584" y="260648"/>
+            <a:ext cx="5465614" cy="6188940"/>
+          </a:xfrm>
+          <a:prstGeom prst="rect">
+            <a:avLst/>
+          </a:prstGeom>
+          <a:noFill/>
+        </p:spPr>
+      </p:pic>
+      <p:sp>
+        <p:nvSpPr>
+          <p:cNvPr id="5" name="TextBox 4"/>
+          <p:cNvSpPr txBox="1"/>
+          <p:nvPr/>
+        </p:nvSpPr>
+        <p:spPr>
+          <a:xfrm>
+            <a:off x="6444208" y="1844824"/>
+            <a:ext cx="2699792" cy="369332"/>
+          </a:xfrm>
+          <a:prstGeom prst="rect">
+            <a:avLst/>
+          </a:prstGeom>
+          <a:noFill/>
+        </p:spPr>
+        <p:txBody>
+          <a:bodyPr wrap="square" rtlCol="0">
+            <a:spAutoFit/>
+          </a:bodyPr>
+          <a:lstStyle/>
+          <a:p>
+            <a:r>
+              <a:rPr lang="ko-KR" altLang="en-US" smtClean="0"/>
+              <a:t>카메라 이동 스크립트</a:t>
+            </a:r>
+            <a:endParaRPr lang="ko-KR" altLang="en-US"/>
+          </a:p>
+        </p:txBody>
+      </p:sp>
+    </p:spTree>
+  </p:cSld>
+  <p:clrMapOvr>
+    <a:masterClrMapping/>
+  </p:clrMapOvr>
+</p:sld>
+</file>
+
+<file path=ppt/slides/slide14.xml><?xml version="1.0" encoding="utf-8"?>
+<p:sld xmlns:a="http://schemas.openxmlformats.org/drawingml/2006/main" xmlns:r="http://schemas.openxmlformats.org/officeDocument/2006/relationships" xmlns:p="http://schemas.openxmlformats.org/presentationml/2006/main">
+  <p:cSld>
+    <p:spTree>
+      <p:nvGrpSpPr>
+        <p:cNvPr id="1" name=""/>
+        <p:cNvGrpSpPr/>
+        <p:nvPr/>
+      </p:nvGrpSpPr>
+      <p:grpSpPr>
+        <a:xfrm>
+          <a:off x="0" y="0"/>
+          <a:ext cx="0" cy="0"/>
+          <a:chOff x="0" y="0"/>
+          <a:chExt cx="0" cy="0"/>
+        </a:xfrm>
+      </p:grpSpPr>
+      <p:sp>
+        <p:nvSpPr>
+          <p:cNvPr id="2" name="제목 1"/>
+          <p:cNvSpPr>
+            <a:spLocks noGrp="1"/>
+          </p:cNvSpPr>
+          <p:nvPr>
+            <p:ph type="title"/>
+          </p:nvPr>
+        </p:nvSpPr>
+        <p:spPr/>
+        <p:txBody>
+          <a:bodyPr/>
+          <a:lstStyle/>
+          <a:p>
+            <a:endParaRPr lang="ko-KR" altLang="en-US"/>
+          </a:p>
+        </p:txBody>
+      </p:sp>
+      <p:pic>
+        <p:nvPicPr>
+          <p:cNvPr id="2050" name="Picture 2" descr="C:\Users\jgy\Desktop\unityProject\무브2.PNG"/>
+          <p:cNvPicPr>
+            <a:picLocks noChangeAspect="1" noChangeArrowheads="1"/>
+          </p:cNvPicPr>
+          <p:nvPr/>
+        </p:nvPicPr>
+        <p:blipFill>
+          <a:blip r:embed="rId2" cstate="print"/>
+          <a:srcRect/>
+          <a:stretch>
+            <a:fillRect/>
+          </a:stretch>
+        </p:blipFill>
+        <p:spPr bwMode="auto">
+          <a:xfrm>
+            <a:off x="755576" y="188640"/>
+            <a:ext cx="5470847" cy="6239418"/>
+          </a:xfrm>
+          <a:prstGeom prst="rect">
+            <a:avLst/>
+          </a:prstGeom>
+          <a:noFill/>
+        </p:spPr>
+      </p:pic>
+      <p:sp>
+        <p:nvSpPr>
+          <p:cNvPr id="6" name="TextBox 5"/>
+          <p:cNvSpPr txBox="1"/>
+          <p:nvPr/>
+        </p:nvSpPr>
+        <p:spPr>
+          <a:xfrm>
+            <a:off x="6444208" y="1844824"/>
+            <a:ext cx="2699792" cy="369332"/>
+          </a:xfrm>
+          <a:prstGeom prst="rect">
+            <a:avLst/>
+          </a:prstGeom>
+          <a:noFill/>
+        </p:spPr>
+        <p:txBody>
+          <a:bodyPr wrap="square" rtlCol="0">
+            <a:spAutoFit/>
+          </a:bodyPr>
+          <a:lstStyle/>
+          <a:p>
+            <a:r>
+              <a:rPr lang="ko-KR" altLang="en-US" smtClean="0"/>
+              <a:t>카메라 이동 스크립트</a:t>
+            </a:r>
+            <a:endParaRPr lang="ko-KR" altLang="en-US"/>
+          </a:p>
+        </p:txBody>
+      </p:sp>
+    </p:spTree>
+  </p:cSld>
+  <p:clrMapOvr>
+    <a:masterClrMapping/>
+  </p:clrMapOvr>
+</p:sld>
+</file>
+
+<file path=ppt/slides/slide15.xml><?xml version="1.0" encoding="utf-8"?>
+<p:sld xmlns:a="http://schemas.openxmlformats.org/drawingml/2006/main" xmlns:r="http://schemas.openxmlformats.org/officeDocument/2006/relationships" xmlns:p="http://schemas.openxmlformats.org/presentationml/2006/main">
+  <p:cSld>
+    <p:spTree>
+      <p:nvGrpSpPr>
+        <p:cNvPr id="1" name=""/>
+        <p:cNvGrpSpPr/>
+        <p:nvPr/>
+      </p:nvGrpSpPr>
+      <p:grpSpPr>
+        <a:xfrm>
+          <a:off x="0" y="0"/>
+          <a:ext cx="0" cy="0"/>
+          <a:chOff x="0" y="0"/>
+          <a:chExt cx="0" cy="0"/>
+        </a:xfrm>
+      </p:grpSpPr>
+      <p:sp>
+        <p:nvSpPr>
+          <p:cNvPr id="2" name="제목 1"/>
+          <p:cNvSpPr>
+            <a:spLocks noGrp="1"/>
+          </p:cNvSpPr>
+          <p:nvPr>
+            <p:ph type="title"/>
+          </p:nvPr>
+        </p:nvSpPr>
+        <p:spPr/>
+        <p:txBody>
+          <a:bodyPr/>
+          <a:lstStyle/>
+          <a:p>
+            <a:endParaRPr lang="ko-KR" altLang="en-US"/>
+          </a:p>
+        </p:txBody>
+      </p:sp>
+      <p:pic>
+        <p:nvPicPr>
+          <p:cNvPr id="3074" name="Picture 2" descr="C:\Users\jgy\Desktop\unityProject\무브3.PNG"/>
+          <p:cNvPicPr>
+            <a:picLocks noChangeAspect="1" noChangeArrowheads="1"/>
+          </p:cNvPicPr>
+          <p:nvPr/>
+        </p:nvPicPr>
+        <p:blipFill>
+          <a:blip r:embed="rId2" cstate="print"/>
+          <a:srcRect/>
+          <a:stretch>
+            <a:fillRect/>
+          </a:stretch>
+        </p:blipFill>
+        <p:spPr bwMode="auto">
+          <a:xfrm>
+            <a:off x="971600" y="764704"/>
+            <a:ext cx="5514281" cy="5622907"/>
+          </a:xfrm>
+          <a:prstGeom prst="rect">
+            <a:avLst/>
+          </a:prstGeom>
+          <a:noFill/>
+        </p:spPr>
+      </p:pic>
+      <p:sp>
+        <p:nvSpPr>
+          <p:cNvPr id="5" name="TextBox 4"/>
+          <p:cNvSpPr txBox="1"/>
+          <p:nvPr/>
+        </p:nvSpPr>
+        <p:spPr>
+          <a:xfrm>
+            <a:off x="6444208" y="1844824"/>
+            <a:ext cx="2699792" cy="369332"/>
+          </a:xfrm>
+          <a:prstGeom prst="rect">
+            <a:avLst/>
+          </a:prstGeom>
+          <a:noFill/>
+        </p:spPr>
+        <p:txBody>
+          <a:bodyPr wrap="square" rtlCol="0">
+            <a:spAutoFit/>
+          </a:bodyPr>
+          <a:lstStyle/>
+          <a:p>
+            <a:r>
+              <a:rPr lang="ko-KR" altLang="en-US" smtClean="0"/>
+              <a:t>카메라 이동 스크립트</a:t>
+            </a:r>
+            <a:endParaRPr lang="ko-KR" altLang="en-US"/>
+          </a:p>
+        </p:txBody>
+      </p:sp>
+    </p:spTree>
+  </p:cSld>
+  <p:clrMapOvr>
+    <a:masterClrMapping/>
+  </p:clrMapOvr>
+</p:sld>
+</file>
+
+<file path=ppt/slides/slide16.xml><?xml version="1.0" encoding="utf-8"?>
+<p:sld xmlns:a="http://schemas.openxmlformats.org/drawingml/2006/main" xmlns:r="http://schemas.openxmlformats.org/officeDocument/2006/relationships" xmlns:p="http://schemas.openxmlformats.org/presentationml/2006/main">
+  <p:cSld>
+    <p:spTree>
+      <p:nvGrpSpPr>
+        <p:cNvPr id="1" name=""/>
+        <p:cNvGrpSpPr/>
+        <p:nvPr/>
+      </p:nvGrpSpPr>
+      <p:grpSpPr>
+        <a:xfrm>
+          <a:off x="0" y="0"/>
+          <a:ext cx="0" cy="0"/>
+          <a:chOff x="0" y="0"/>
+          <a:chExt cx="0" cy="0"/>
+        </a:xfrm>
+      </p:grpSpPr>
+      <p:sp>
+        <p:nvSpPr>
+          <p:cNvPr id="2" name="제목 1"/>
+          <p:cNvSpPr>
+            <a:spLocks noGrp="1"/>
+          </p:cNvSpPr>
+          <p:nvPr>
+            <p:ph type="title"/>
+          </p:nvPr>
+        </p:nvSpPr>
+        <p:spPr/>
+        <p:txBody>
+          <a:bodyPr/>
+          <a:lstStyle/>
+          <a:p>
+            <a:endParaRPr lang="ko-KR" altLang="en-US" dirty="0"/>
+          </a:p>
+        </p:txBody>
+      </p:sp>
+      <p:pic>
+        <p:nvPicPr>
+          <p:cNvPr id="4098" name="Picture 2" descr="C:\Users\jgy\Desktop\unityProject\딜레이 시간.PNG"/>
+          <p:cNvPicPr>
+            <a:picLocks noChangeAspect="1" noChangeArrowheads="1"/>
+          </p:cNvPicPr>
+          <p:nvPr/>
+        </p:nvPicPr>
+        <p:blipFill>
+          <a:blip r:embed="rId2" cstate="print"/>
+          <a:srcRect/>
+          <a:stretch>
+            <a:fillRect/>
+          </a:stretch>
+        </p:blipFill>
+        <p:spPr bwMode="auto">
+          <a:xfrm>
+            <a:off x="899592" y="1052736"/>
+            <a:ext cx="4886325" cy="1247775"/>
+          </a:xfrm>
+          <a:prstGeom prst="rect">
+            <a:avLst/>
+          </a:prstGeom>
+          <a:noFill/>
+        </p:spPr>
+      </p:pic>
+      <p:pic>
+        <p:nvPicPr>
+          <p:cNvPr id="4099" name="Picture 3" descr="C:\Users\jgy\Desktop\unityProject\딜레이시간 변수지정.PNG"/>
+          <p:cNvPicPr>
+            <a:picLocks noChangeAspect="1" noChangeArrowheads="1"/>
+          </p:cNvPicPr>
+          <p:nvPr/>
+        </p:nvPicPr>
+        <p:blipFill>
+          <a:blip r:embed="rId3" cstate="print"/>
+          <a:srcRect/>
+          <a:stretch>
+            <a:fillRect/>
+          </a:stretch>
+        </p:blipFill>
+        <p:spPr bwMode="auto">
+          <a:xfrm>
+            <a:off x="827584" y="2636912"/>
+            <a:ext cx="6624736" cy="3848100"/>
+          </a:xfrm>
+          <a:prstGeom prst="rect">
+            <a:avLst/>
+          </a:prstGeom>
+          <a:noFill/>
+        </p:spPr>
+      </p:pic>
+      <p:sp>
+        <p:nvSpPr>
+          <p:cNvPr id="10" name="TextBox 9"/>
+          <p:cNvSpPr txBox="1"/>
+          <p:nvPr/>
+        </p:nvSpPr>
+        <p:spPr>
+          <a:xfrm>
+            <a:off x="5940152" y="1268760"/>
+            <a:ext cx="2627784" cy="923330"/>
+          </a:xfrm>
+          <a:prstGeom prst="rect">
+            <a:avLst/>
+          </a:prstGeom>
+          <a:noFill/>
+        </p:spPr>
+        <p:txBody>
+          <a:bodyPr wrap="square" rtlCol="0">
+            <a:spAutoFit/>
+          </a:bodyPr>
+          <a:lstStyle/>
+          <a:p>
+            <a:r>
+              <a:rPr lang="ko-KR" altLang="en-US" dirty="0" smtClean="0"/>
+              <a:t>오브젝트 지연시간 </a:t>
+            </a:r>
+            <a:endParaRPr lang="en-US" altLang="ko-KR" dirty="0" smtClean="0"/>
+          </a:p>
+          <a:p>
+            <a:r>
+              <a:rPr lang="en-US" altLang="ko-KR" dirty="0" err="1" smtClean="0"/>
+              <a:t>WaitForSeconds</a:t>
+            </a:r>
+            <a:r>
+              <a:rPr lang="ko-KR" altLang="en-US" dirty="0" smtClean="0"/>
+              <a:t>로 </a:t>
+            </a:r>
+            <a:r>
+              <a:rPr lang="ko-KR" altLang="en-US" dirty="0" err="1" smtClean="0"/>
+              <a:t>바로적용</a:t>
+            </a:r>
+            <a:r>
+              <a:rPr lang="ko-KR" altLang="en-US" smtClean="0"/>
+              <a:t> </a:t>
+            </a:r>
+            <a:endParaRPr lang="ko-KR" altLang="en-US"/>
+          </a:p>
+        </p:txBody>
+      </p:sp>
+      <p:sp>
+        <p:nvSpPr>
+          <p:cNvPr id="11" name="TextBox 10"/>
+          <p:cNvSpPr txBox="1"/>
+          <p:nvPr/>
+        </p:nvSpPr>
+        <p:spPr>
+          <a:xfrm>
+            <a:off x="7596336" y="3140968"/>
+            <a:ext cx="1224136" cy="1477328"/>
+          </a:xfrm>
+          <a:prstGeom prst="rect">
+            <a:avLst/>
+          </a:prstGeom>
+          <a:noFill/>
+        </p:spPr>
+        <p:txBody>
+          <a:bodyPr wrap="square" rtlCol="0">
+            <a:spAutoFit/>
+          </a:bodyPr>
+          <a:lstStyle/>
+          <a:p>
+            <a:r>
+              <a:rPr lang="ko-KR" altLang="en-US" dirty="0" smtClean="0"/>
+              <a:t>오브젝트</a:t>
+            </a:r>
+            <a:endParaRPr lang="en-US" altLang="ko-KR" dirty="0" smtClean="0"/>
+          </a:p>
+          <a:p>
+            <a:r>
+              <a:rPr lang="ko-KR" altLang="en-US" dirty="0" smtClean="0"/>
+              <a:t>지연시간</a:t>
+            </a:r>
+            <a:endParaRPr lang="en-US" altLang="ko-KR" dirty="0" smtClean="0"/>
+          </a:p>
+          <a:p>
+            <a:r>
+              <a:rPr lang="ko-KR" altLang="en-US" dirty="0" smtClean="0"/>
+              <a:t>변수를 </a:t>
+            </a:r>
+            <a:endParaRPr lang="en-US" altLang="ko-KR" dirty="0" smtClean="0"/>
+          </a:p>
+          <a:p>
+            <a:r>
+              <a:rPr lang="ko-KR" altLang="en-US" dirty="0" smtClean="0"/>
+              <a:t>이용하여 적용</a:t>
+            </a:r>
+            <a:endParaRPr lang="ko-KR" altLang="en-US" dirty="0"/>
+          </a:p>
+        </p:txBody>
+      </p:sp>
     </p:spTree>
   </p:cSld>
   <p:clrMapOvr>
@@ -4997,8 +5516,8 @@
         </p:blipFill>
         <p:spPr bwMode="auto">
           <a:xfrm>
-            <a:off x="323850" y="661988"/>
-            <a:ext cx="8821738" cy="4486275"/>
+            <a:off x="683568" y="1268760"/>
+            <a:ext cx="7770187" cy="3951511"/>
           </a:xfrm>
           <a:prstGeom prst="rect">
             <a:avLst/>
@@ -5086,8 +5605,8 @@
         </p:blipFill>
         <p:spPr bwMode="auto">
           <a:xfrm>
-            <a:off x="-1252538" y="976313"/>
-            <a:ext cx="8926513" cy="4752975"/>
+            <a:off x="683568" y="1196752"/>
+            <a:ext cx="7701084" cy="4100488"/>
           </a:xfrm>
           <a:prstGeom prst="rect">
             <a:avLst/>
@@ -5175,8 +5694,8 @@
         </p:blipFill>
         <p:spPr bwMode="auto">
           <a:xfrm>
-            <a:off x="1152525" y="1941513"/>
-            <a:ext cx="8669338" cy="4733925"/>
+            <a:off x="725785" y="1124744"/>
+            <a:ext cx="8094687" cy="4596798"/>
           </a:xfrm>
           <a:prstGeom prst="rect">
             <a:avLst/>
@@ -5264,8 +5783,8 @@
         </p:blipFill>
         <p:spPr bwMode="auto">
           <a:xfrm>
-            <a:off x="98425" y="2011363"/>
-            <a:ext cx="8745538" cy="4391025"/>
+            <a:off x="755576" y="1124744"/>
+            <a:ext cx="8136904" cy="4391025"/>
           </a:xfrm>
           <a:prstGeom prst="rect">
             <a:avLst/>
@@ -5353,8 +5872,8 @@
         </p:blipFill>
         <p:spPr bwMode="auto">
           <a:xfrm>
-            <a:off x="-1970088" y="1898650"/>
-            <a:ext cx="8736013" cy="4248150"/>
+            <a:off x="755577" y="1196752"/>
+            <a:ext cx="8136903" cy="4248150"/>
           </a:xfrm>
           <a:prstGeom prst="rect">
             <a:avLst/>
@@ -5442,7 +5961,7 @@
         </p:blipFill>
         <p:spPr bwMode="auto">
           <a:xfrm>
-            <a:off x="-1377950" y="1876425"/>
+            <a:off x="755576" y="1268760"/>
             <a:ext cx="8202613" cy="4457700"/>
           </a:xfrm>
           <a:prstGeom prst="rect">
@@ -5531,8 +6050,8 @@
         </p:blipFill>
         <p:spPr bwMode="auto">
           <a:xfrm>
-            <a:off x="103188" y="2287588"/>
-            <a:ext cx="8736012" cy="4162425"/>
+            <a:off x="755576" y="1196752"/>
+            <a:ext cx="8208912" cy="4162425"/>
           </a:xfrm>
           <a:prstGeom prst="rect">
             <a:avLst/>
@@ -5620,8 +6139,8 @@
         </p:blipFill>
         <p:spPr bwMode="auto">
           <a:xfrm>
-            <a:off x="-338138" y="1982788"/>
-            <a:ext cx="8764588" cy="5381625"/>
+            <a:off x="755576" y="980728"/>
+            <a:ext cx="8208912" cy="5381625"/>
           </a:xfrm>
           <a:prstGeom prst="rect">
             <a:avLst/>

--- a/유니티 ppt/unity 17. 2.14.pptx
+++ b/유니티 ppt/unity 17. 2.14.pptx
@@ -4631,8 +4631,13 @@
           <a:p>
             <a:r>
               <a:rPr lang="en-US" altLang="ko-KR" sz="2400" dirty="0" smtClean="0"/>
-              <a:t>2017. 1. 24 – 2017. 2. 7</a:t>
-            </a:r>
+              <a:t>2017. 2. 7 – 2017. 2. </a:t>
+            </a:r>
+            <a:r>
+              <a:rPr lang="en-US" altLang="ko-KR" sz="2400" smtClean="0"/>
+              <a:t>14</a:t>
+            </a:r>
+            <a:endParaRPr lang="en-US" altLang="ko-KR" sz="2400" dirty="0" smtClean="0"/>
           </a:p>
           <a:p>
             <a:endParaRPr lang="en-US" altLang="ko-KR" sz="2400" dirty="0"/>
